--- a/Documentation/Fantasy_Football_Presentation.pptx
+++ b/Documentation/Fantasy_Football_Presentation.pptx
@@ -9,20 +9,18 @@
     <p:sldId id="267" r:id="rId3"/>
     <p:sldId id="268" r:id="rId4"/>
     <p:sldId id="265" r:id="rId5"/>
-    <p:sldId id="266" r:id="rId6"/>
-    <p:sldId id="260" r:id="rId7"/>
-    <p:sldId id="262" r:id="rId8"/>
-    <p:sldId id="261" r:id="rId9"/>
-    <p:sldId id="258" r:id="rId10"/>
-    <p:sldId id="263" r:id="rId11"/>
-    <p:sldId id="269" r:id="rId12"/>
-    <p:sldId id="257" r:id="rId13"/>
-    <p:sldId id="270" r:id="rId14"/>
-    <p:sldId id="272" r:id="rId15"/>
-    <p:sldId id="273" r:id="rId16"/>
-    <p:sldId id="274" r:id="rId17"/>
-    <p:sldId id="275" r:id="rId18"/>
-    <p:sldId id="276" r:id="rId19"/>
+    <p:sldId id="260" r:id="rId6"/>
+    <p:sldId id="262" r:id="rId7"/>
+    <p:sldId id="261" r:id="rId8"/>
+    <p:sldId id="258" r:id="rId9"/>
+    <p:sldId id="269" r:id="rId10"/>
+    <p:sldId id="257" r:id="rId11"/>
+    <p:sldId id="270" r:id="rId12"/>
+    <p:sldId id="272" r:id="rId13"/>
+    <p:sldId id="273" r:id="rId14"/>
+    <p:sldId id="274" r:id="rId15"/>
+    <p:sldId id="275" r:id="rId16"/>
+    <p:sldId id="276" r:id="rId17"/>
   </p:sldIdLst>
   <p:sldSz cx="12192000" cy="6858000"/>
   <p:notesSz cx="6858000" cy="9144000"/>
@@ -121,6 +119,11 @@
       </a:defRPr>
     </a:lvl9pPr>
   </p:defaultTextStyle>
+  <p:extLst>
+    <p:ext uri="{EFAFB233-063F-42B5-8137-9DF3F51BA10A}">
+      <p15:sldGuideLst xmlns:p15="http://schemas.microsoft.com/office/powerpoint/2012/main"/>
+    </p:ext>
+  </p:extLst>
 </p:presentation>
 </file>
 
@@ -460,7 +463,7 @@
             <a:fld id="{5923F103-BC34-4FE4-A40E-EDDEECFDA5D0}" type="datetimeFigureOut">
               <a:rPr lang="en-US" smtClean="0"/>
               <a:pPr/>
-              <a:t>12/8/2019</a:t>
+              <a:t>12/9/2019</a:t>
             </a:fld>
             <a:endParaRPr lang="en-US" dirty="0"/>
           </a:p>
@@ -1554,7 +1557,7 @@
           <a:p>
             <a:fld id="{923A1CC3-2375-41D4-9E03-427CAF2A4C1A}" type="datetimeFigureOut">
               <a:rPr lang="en-US" smtClean="0"/>
-              <a:t>12/8/2019</a:t>
+              <a:t>12/9/2019</a:t>
             </a:fld>
             <a:endParaRPr lang="en-US" dirty="0"/>
           </a:p>
@@ -2540,7 +2543,7 @@
           <a:p>
             <a:fld id="{AFF16868-8199-4C2C-A5B1-63AEE139F88E}" type="datetimeFigureOut">
               <a:rPr lang="en-US" smtClean="0"/>
-              <a:t>12/8/2019</a:t>
+              <a:t>12/9/2019</a:t>
             </a:fld>
             <a:endParaRPr lang="en-US" dirty="0"/>
           </a:p>
@@ -3680,7 +3683,7 @@
           <a:p>
             <a:fld id="{AAD9FF7F-6988-44CC-821B-644E70CD2F73}" type="datetimeFigureOut">
               <a:rPr lang="en-US" smtClean="0"/>
-              <a:t>12/8/2019</a:t>
+              <a:t>12/9/2019</a:t>
             </a:fld>
             <a:endParaRPr lang="en-US" dirty="0"/>
           </a:p>
@@ -4719,7 +4722,7 @@
           <a:p>
             <a:fld id="{5C12C299-16B2-4475-990D-751901EACC14}" type="datetimeFigureOut">
               <a:rPr lang="en-US" smtClean="0"/>
-              <a:t>12/8/2019</a:t>
+              <a:t>12/9/2019</a:t>
             </a:fld>
             <a:endParaRPr lang="en-US" dirty="0"/>
           </a:p>
@@ -5385,7 +5388,7 @@
           <a:p>
             <a:fld id="{2BE451C3-0FF4-47C4-B829-773ADF60F88C}" type="datetimeFigureOut">
               <a:rPr lang="en-US" smtClean="0"/>
-              <a:t>12/8/2019</a:t>
+              <a:t>12/9/2019</a:t>
             </a:fld>
             <a:endParaRPr lang="en-US" dirty="0"/>
           </a:p>
@@ -6253,7 +6256,7 @@
           <a:p>
             <a:fld id="{2BE451C3-0FF4-47C4-B829-773ADF60F88C}" type="datetimeFigureOut">
               <a:rPr lang="en-US" smtClean="0"/>
-              <a:t>12/8/2019</a:t>
+              <a:t>12/9/2019</a:t>
             </a:fld>
             <a:endParaRPr lang="en-US" dirty="0"/>
           </a:p>
@@ -6450,7 +6453,7 @@
           <a:p>
             <a:fld id="{53086D93-FCAC-47E0-A2EE-787E62CA814C}" type="datetimeFigureOut">
               <a:rPr lang="en-US" smtClean="0"/>
-              <a:t>12/8/2019</a:t>
+              <a:t>12/9/2019</a:t>
             </a:fld>
             <a:endParaRPr lang="en-US" dirty="0"/>
           </a:p>
@@ -7428,7 +7431,7 @@
           <a:p>
             <a:fld id="{CDA879A6-0FD0-4734-A311-86BFCA472E6E}" type="datetimeFigureOut">
               <a:rPr lang="en-US" smtClean="0"/>
-              <a:t>12/8/2019</a:t>
+              <a:t>12/9/2019</a:t>
             </a:fld>
             <a:endParaRPr lang="en-US" dirty="0"/>
           </a:p>
@@ -7645,7 +7648,7 @@
           <a:p>
             <a:fld id="{19C9CA7B-DFD4-44B5-8C60-D14B8CD1FB59}" type="datetimeFigureOut">
               <a:rPr lang="en-US" smtClean="0"/>
-              <a:t>12/8/2019</a:t>
+              <a:t>12/9/2019</a:t>
             </a:fld>
             <a:endParaRPr lang="en-US" dirty="0"/>
           </a:p>
@@ -8685,7 +8688,7 @@
           <a:p>
             <a:fld id="{F34E6425-0181-43F2-84FC-787E803FD2F8}" type="datetimeFigureOut">
               <a:rPr lang="en-US" smtClean="0"/>
-              <a:t>12/8/2019</a:t>
+              <a:t>12/9/2019</a:t>
             </a:fld>
             <a:endParaRPr lang="en-US" dirty="0"/>
           </a:p>
@@ -8963,7 +8966,7 @@
           <a:p>
             <a:fld id="{3BDB8791-F1B0-41E7-B7FD-A781E65C4266}" type="datetimeFigureOut">
               <a:rPr lang="en-US" smtClean="0"/>
-              <a:t>12/8/2019</a:t>
+              <a:t>12/9/2019</a:t>
             </a:fld>
             <a:endParaRPr lang="en-US" dirty="0"/>
           </a:p>
@@ -9379,7 +9382,7 @@
           <a:p>
             <a:fld id="{5FDD63B2-E120-4ED8-B27B-C685F510A5FE}" type="datetimeFigureOut">
               <a:rPr lang="en-US" smtClean="0"/>
-              <a:t>12/8/2019</a:t>
+              <a:t>12/9/2019</a:t>
             </a:fld>
             <a:endParaRPr lang="en-US" dirty="0"/>
           </a:p>
@@ -9512,7 +9515,7 @@
           <a:p>
             <a:fld id="{7AA18ACC-A947-437B-A130-35BD54FDF1E9}" type="datetimeFigureOut">
               <a:rPr lang="en-US" smtClean="0"/>
-              <a:t>12/8/2019</a:t>
+              <a:t>12/9/2019</a:t>
             </a:fld>
             <a:endParaRPr lang="en-US" dirty="0"/>
           </a:p>
@@ -9613,7 +9616,7 @@
           <a:p>
             <a:fld id="{7C8D7E02-BCB8-4D50-A234-369438C08659}" type="datetimeFigureOut">
               <a:rPr lang="en-US" smtClean="0"/>
-              <a:t>12/8/2019</a:t>
+              <a:t>12/9/2019</a:t>
             </a:fld>
             <a:endParaRPr lang="en-US" dirty="0"/>
           </a:p>
@@ -10700,7 +10703,7 @@
           <a:p>
             <a:fld id="{76E86A4C-8E40-4F87-A4F0-01A0687C5742}" type="datetimeFigureOut">
               <a:rPr lang="en-US" smtClean="0"/>
-              <a:t>12/8/2019</a:t>
+              <a:t>12/9/2019</a:t>
             </a:fld>
             <a:endParaRPr lang="en-US" dirty="0"/>
           </a:p>
@@ -11814,7 +11817,7 @@
           <a:p>
             <a:fld id="{35E72C73-2D91-4E12-BA25-F0AA0C03599B}" type="datetimeFigureOut">
               <a:rPr lang="en-US" smtClean="0"/>
-              <a:t>12/8/2019</a:t>
+              <a:t>12/9/2019</a:t>
             </a:fld>
             <a:endParaRPr lang="en-US" dirty="0"/>
           </a:p>
@@ -12817,7 +12820,7 @@
           <a:p>
             <a:fld id="{2BE451C3-0FF4-47C4-B829-773ADF60F88C}" type="datetimeFigureOut">
               <a:rPr lang="en-US" smtClean="0"/>
-              <a:t>12/8/2019</a:t>
+              <a:t>12/9/2019</a:t>
             </a:fld>
             <a:endParaRPr lang="en-US" dirty="0"/>
           </a:p>
@@ -13479,283 +13482,6 @@
           <a:p>
             <a:r>
               <a:rPr lang="en-GB" dirty="0" smtClean="0"/>
-              <a:t>SSH Into VM</a:t>
-            </a:r>
-            <a:endParaRPr lang="en-GB" dirty="0"/>
-          </a:p>
-        </p:txBody>
-      </p:sp>
-      <p:sp>
-        <p:nvSpPr>
-          <p:cNvPr id="3" name="Content Placeholder 2"/>
-          <p:cNvSpPr>
-            <a:spLocks noGrp="1"/>
-          </p:cNvSpPr>
-          <p:nvPr>
-            <p:ph idx="1"/>
-          </p:nvPr>
-        </p:nvSpPr>
-        <p:spPr/>
-        <p:txBody>
-          <a:bodyPr>
-            <a:normAutofit/>
-          </a:bodyPr>
-          <a:lstStyle/>
-          <a:p>
-            <a:pPr>
-              <a:lnSpc>
-                <a:spcPct val="150000"/>
-              </a:lnSpc>
-            </a:pPr>
-            <a:r>
-              <a:rPr lang="en-GB" sz="2800" dirty="0" smtClean="0"/>
-              <a:t>Impact</a:t>
-            </a:r>
-            <a:r>
-              <a:rPr lang="en-GB" sz="2800" dirty="0"/>
-              <a:t> </a:t>
-            </a:r>
-            <a:r>
-              <a:rPr lang="en-GB" sz="2800" dirty="0" smtClean="0"/>
-              <a:t>– high</a:t>
-            </a:r>
-          </a:p>
-          <a:p>
-            <a:pPr>
-              <a:lnSpc>
-                <a:spcPct val="150000"/>
-              </a:lnSpc>
-            </a:pPr>
-            <a:r>
-              <a:rPr lang="en-GB" sz="2800" dirty="0" smtClean="0"/>
-              <a:t>Likelihood – low</a:t>
-            </a:r>
-          </a:p>
-          <a:p>
-            <a:pPr>
-              <a:lnSpc>
-                <a:spcPct val="150000"/>
-              </a:lnSpc>
-            </a:pPr>
-            <a:r>
-              <a:rPr lang="en-GB" sz="2800" dirty="0" smtClean="0"/>
-              <a:t>Mitigation measure</a:t>
-            </a:r>
-          </a:p>
-          <a:p>
-            <a:pPr lvl="1">
-              <a:lnSpc>
-                <a:spcPct val="150000"/>
-              </a:lnSpc>
-            </a:pPr>
-            <a:r>
-              <a:rPr lang="en-GB" sz="2400" dirty="0" smtClean="0"/>
-              <a:t>Tolerate</a:t>
-            </a:r>
-            <a:endParaRPr lang="en-GB" sz="2400" dirty="0"/>
-          </a:p>
-        </p:txBody>
-      </p:sp>
-    </p:spTree>
-    <p:extLst>
-      <p:ext uri="{BB962C8B-B14F-4D97-AF65-F5344CB8AC3E}">
-        <p14:creationId xmlns:p14="http://schemas.microsoft.com/office/powerpoint/2010/main" val="1251197311"/>
-      </p:ext>
-    </p:extLst>
-  </p:cSld>
-  <p:clrMapOvr>
-    <a:masterClrMapping/>
-  </p:clrMapOvr>
-  <p:timing>
-    <p:tnLst>
-      <p:par>
-        <p:cTn id="1" dur="indefinite" restart="never" nodeType="tmRoot"/>
-      </p:par>
-    </p:tnLst>
-  </p:timing>
-</p:sld>
-</file>
-
-<file path=ppt/slides/slide11.xml><?xml version="1.0" encoding="utf-8"?>
-<p:sld xmlns:a="http://schemas.openxmlformats.org/drawingml/2006/main" xmlns:r="http://schemas.openxmlformats.org/officeDocument/2006/relationships" xmlns:p="http://schemas.openxmlformats.org/presentationml/2006/main">
-  <p:cSld>
-    <p:spTree>
-      <p:nvGrpSpPr>
-        <p:cNvPr id="1" name=""/>
-        <p:cNvGrpSpPr/>
-        <p:nvPr/>
-      </p:nvGrpSpPr>
-      <p:grpSpPr>
-        <a:xfrm>
-          <a:off x="0" y="0"/>
-          <a:ext cx="0" cy="0"/>
-          <a:chOff x="0" y="0"/>
-          <a:chExt cx="0" cy="0"/>
-        </a:xfrm>
-      </p:grpSpPr>
-      <p:sp>
-        <p:nvSpPr>
-          <p:cNvPr id="2" name="Title 1"/>
-          <p:cNvSpPr>
-            <a:spLocks noGrp="1"/>
-          </p:cNvSpPr>
-          <p:nvPr>
-            <p:ph type="title"/>
-          </p:nvPr>
-        </p:nvSpPr>
-        <p:spPr/>
-        <p:txBody>
-          <a:bodyPr/>
-          <a:lstStyle/>
-          <a:p>
-            <a:r>
-              <a:rPr lang="en-GB" dirty="0" smtClean="0"/>
-              <a:t>Technologies Used</a:t>
-            </a:r>
-            <a:endParaRPr lang="en-GB" dirty="0"/>
-          </a:p>
-        </p:txBody>
-      </p:sp>
-      <p:sp>
-        <p:nvSpPr>
-          <p:cNvPr id="3" name="Content Placeholder 2"/>
-          <p:cNvSpPr>
-            <a:spLocks noGrp="1"/>
-          </p:cNvSpPr>
-          <p:nvPr>
-            <p:ph type="body" idx="1"/>
-          </p:nvPr>
-        </p:nvSpPr>
-        <p:spPr>
-          <a:xfrm>
-            <a:off x="6895559" y="992038"/>
-            <a:ext cx="4267022" cy="5080958"/>
-          </a:xfrm>
-        </p:spPr>
-        <p:txBody>
-          <a:bodyPr>
-            <a:noAutofit/>
-          </a:bodyPr>
-          <a:lstStyle/>
-          <a:p>
-            <a:r>
-              <a:rPr lang="en-GB" sz="2400" dirty="0"/>
-              <a:t>Google Cloud </a:t>
-            </a:r>
-            <a:r>
-              <a:rPr lang="en-GB" sz="2400" dirty="0" smtClean="0"/>
-              <a:t>Platform</a:t>
-            </a:r>
-          </a:p>
-          <a:p>
-            <a:r>
-              <a:rPr lang="en-GB" sz="2400" dirty="0" smtClean="0"/>
-              <a:t>MySQL</a:t>
-            </a:r>
-          </a:p>
-          <a:p>
-            <a:r>
-              <a:rPr lang="en-GB" sz="2400" dirty="0" smtClean="0"/>
-              <a:t>Python </a:t>
-            </a:r>
-            <a:r>
-              <a:rPr lang="en-GB" sz="2400" dirty="0"/>
-              <a:t>– Flask, </a:t>
-            </a:r>
-            <a:r>
-              <a:rPr lang="en-GB" sz="2400" dirty="0" err="1"/>
-              <a:t>SQLAlchemy</a:t>
-            </a:r>
-            <a:r>
-              <a:rPr lang="en-GB" sz="2400" dirty="0"/>
-              <a:t>, </a:t>
-            </a:r>
-            <a:r>
-              <a:rPr lang="en-GB" sz="2400" dirty="0" smtClean="0"/>
-              <a:t>Jinja2</a:t>
-            </a:r>
-          </a:p>
-          <a:p>
-            <a:r>
-              <a:rPr lang="en-GB" sz="2400" dirty="0" smtClean="0"/>
-              <a:t>HTML</a:t>
-            </a:r>
-          </a:p>
-          <a:p>
-            <a:r>
-              <a:rPr lang="en-GB" sz="2400" dirty="0" smtClean="0"/>
-              <a:t>Git/GitHub</a:t>
-            </a:r>
-          </a:p>
-          <a:p>
-            <a:r>
-              <a:rPr lang="en-GB" sz="2400" dirty="0" smtClean="0"/>
-              <a:t>Jenkins</a:t>
-            </a:r>
-          </a:p>
-          <a:p>
-            <a:r>
-              <a:rPr lang="en-GB" sz="2400" dirty="0" err="1" smtClean="0"/>
-              <a:t>Gunicorn</a:t>
-            </a:r>
-            <a:endParaRPr lang="en-GB" sz="2400" dirty="0" smtClean="0"/>
-          </a:p>
-        </p:txBody>
-      </p:sp>
-    </p:spTree>
-    <p:extLst>
-      <p:ext uri="{BB962C8B-B14F-4D97-AF65-F5344CB8AC3E}">
-        <p14:creationId xmlns:p14="http://schemas.microsoft.com/office/powerpoint/2010/main" val="1983938051"/>
-      </p:ext>
-    </p:extLst>
-  </p:cSld>
-  <p:clrMapOvr>
-    <a:masterClrMapping/>
-  </p:clrMapOvr>
-  <p:timing>
-    <p:tnLst>
-      <p:par>
-        <p:cTn id="1" dur="indefinite" restart="never" nodeType="tmRoot"/>
-      </p:par>
-    </p:tnLst>
-  </p:timing>
-</p:sld>
-</file>
-
-<file path=ppt/slides/slide12.xml><?xml version="1.0" encoding="utf-8"?>
-<p:sld xmlns:a="http://schemas.openxmlformats.org/drawingml/2006/main" xmlns:r="http://schemas.openxmlformats.org/officeDocument/2006/relationships" xmlns:p="http://schemas.openxmlformats.org/presentationml/2006/main">
-  <p:cSld>
-    <p:spTree>
-      <p:nvGrpSpPr>
-        <p:cNvPr id="1" name=""/>
-        <p:cNvGrpSpPr/>
-        <p:nvPr/>
-      </p:nvGrpSpPr>
-      <p:grpSpPr>
-        <a:xfrm>
-          <a:off x="0" y="0"/>
-          <a:ext cx="0" cy="0"/>
-          <a:chOff x="0" y="0"/>
-          <a:chExt cx="0" cy="0"/>
-        </a:xfrm>
-      </p:grpSpPr>
-      <p:sp>
-        <p:nvSpPr>
-          <p:cNvPr id="2" name="Title 1"/>
-          <p:cNvSpPr>
-            <a:spLocks noGrp="1"/>
-          </p:cNvSpPr>
-          <p:nvPr>
-            <p:ph type="title"/>
-          </p:nvPr>
-        </p:nvSpPr>
-        <p:spPr/>
-        <p:txBody>
-          <a:bodyPr/>
-          <a:lstStyle/>
-          <a:p>
-            <a:r>
-              <a:rPr lang="en-GB" dirty="0" smtClean="0"/>
               <a:t>Testing</a:t>
             </a:r>
             <a:endParaRPr lang="en-GB" dirty="0"/>
@@ -13830,7 +13556,7 @@
 </p:sld>
 </file>
 
-<file path=ppt/slides/slide13.xml><?xml version="1.0" encoding="utf-8"?>
+<file path=ppt/slides/slide11.xml><?xml version="1.0" encoding="utf-8"?>
 <p:sld xmlns:a="http://schemas.openxmlformats.org/drawingml/2006/main" xmlns:r="http://schemas.openxmlformats.org/officeDocument/2006/relationships" xmlns:p="http://schemas.openxmlformats.org/presentationml/2006/main">
   <p:cSld>
     <p:spTree>
@@ -13927,7 +13653,7 @@
 </p:sld>
 </file>
 
-<file path=ppt/slides/slide14.xml><?xml version="1.0" encoding="utf-8"?>
+<file path=ppt/slides/slide12.xml><?xml version="1.0" encoding="utf-8"?>
 <p:sld xmlns:a="http://schemas.openxmlformats.org/drawingml/2006/main" xmlns:r="http://schemas.openxmlformats.org/officeDocument/2006/relationships" xmlns:p="http://schemas.openxmlformats.org/presentationml/2006/main">
   <p:cSld>
     <p:spTree>
@@ -14397,6 +14123,208 @@
 </p:sld>
 </file>
 
+<file path=ppt/slides/slide13.xml><?xml version="1.0" encoding="utf-8"?>
+<p:sld xmlns:a="http://schemas.openxmlformats.org/drawingml/2006/main" xmlns:r="http://schemas.openxmlformats.org/officeDocument/2006/relationships" xmlns:p="http://schemas.openxmlformats.org/presentationml/2006/main">
+  <p:cSld>
+    <p:spTree>
+      <p:nvGrpSpPr>
+        <p:cNvPr id="1" name=""/>
+        <p:cNvGrpSpPr/>
+        <p:nvPr/>
+      </p:nvGrpSpPr>
+      <p:grpSpPr>
+        <a:xfrm>
+          <a:off x="0" y="0"/>
+          <a:ext cx="0" cy="0"/>
+          <a:chOff x="0" y="0"/>
+          <a:chExt cx="0" cy="0"/>
+        </a:xfrm>
+      </p:grpSpPr>
+      <p:sp>
+        <p:nvSpPr>
+          <p:cNvPr id="2" name="Title 1"/>
+          <p:cNvSpPr>
+            <a:spLocks noGrp="1"/>
+          </p:cNvSpPr>
+          <p:nvPr>
+            <p:ph type="title"/>
+          </p:nvPr>
+        </p:nvSpPr>
+        <p:spPr/>
+        <p:txBody>
+          <a:bodyPr/>
+          <a:lstStyle/>
+          <a:p>
+            <a:r>
+              <a:rPr lang="en-GB" dirty="0" smtClean="0"/>
+              <a:t>Future Plans</a:t>
+            </a:r>
+            <a:endParaRPr lang="en-GB" dirty="0"/>
+          </a:p>
+        </p:txBody>
+      </p:sp>
+      <p:sp>
+        <p:nvSpPr>
+          <p:cNvPr id="3" name="Content Placeholder 2"/>
+          <p:cNvSpPr>
+            <a:spLocks noGrp="1"/>
+          </p:cNvSpPr>
+          <p:nvPr>
+            <p:ph idx="1"/>
+          </p:nvPr>
+        </p:nvSpPr>
+        <p:spPr/>
+        <p:txBody>
+          <a:bodyPr/>
+          <a:lstStyle/>
+          <a:p>
+            <a:r>
+              <a:rPr lang="en-GB" sz="2800" dirty="0" smtClean="0"/>
+              <a:t>Allow 11 players in team</a:t>
+            </a:r>
+          </a:p>
+          <a:p>
+            <a:r>
+              <a:rPr lang="en-GB" sz="2800" dirty="0" smtClean="0"/>
+              <a:t>Transfer page to change team</a:t>
+            </a:r>
+          </a:p>
+          <a:p>
+            <a:r>
+              <a:rPr lang="en-GB" sz="2800" dirty="0" smtClean="0"/>
+              <a:t>SSH </a:t>
+            </a:r>
+            <a:r>
+              <a:rPr lang="en-GB" sz="2800" dirty="0" smtClean="0"/>
+              <a:t>into another server for deployment</a:t>
+            </a:r>
+          </a:p>
+          <a:p>
+            <a:r>
+              <a:rPr lang="en-GB" sz="2800" dirty="0" smtClean="0"/>
+              <a:t>Integration testing</a:t>
+            </a:r>
+            <a:endParaRPr lang="en-GB" dirty="0"/>
+          </a:p>
+        </p:txBody>
+      </p:sp>
+    </p:spTree>
+    <p:extLst>
+      <p:ext uri="{BB962C8B-B14F-4D97-AF65-F5344CB8AC3E}">
+        <p14:creationId xmlns:p14="http://schemas.microsoft.com/office/powerpoint/2010/main" val="2113550350"/>
+      </p:ext>
+    </p:extLst>
+  </p:cSld>
+  <p:clrMapOvr>
+    <a:masterClrMapping/>
+  </p:clrMapOvr>
+  <p:timing>
+    <p:tnLst>
+      <p:par>
+        <p:cTn id="1" dur="indefinite" restart="never" nodeType="tmRoot"/>
+      </p:par>
+    </p:tnLst>
+  </p:timing>
+</p:sld>
+</file>
+
+<file path=ppt/slides/slide14.xml><?xml version="1.0" encoding="utf-8"?>
+<p:sld xmlns:a="http://schemas.openxmlformats.org/drawingml/2006/main" xmlns:r="http://schemas.openxmlformats.org/officeDocument/2006/relationships" xmlns:p="http://schemas.openxmlformats.org/presentationml/2006/main">
+  <p:cSld>
+    <p:spTree>
+      <p:nvGrpSpPr>
+        <p:cNvPr id="1" name=""/>
+        <p:cNvGrpSpPr/>
+        <p:nvPr/>
+      </p:nvGrpSpPr>
+      <p:grpSpPr>
+        <a:xfrm>
+          <a:off x="0" y="0"/>
+          <a:ext cx="0" cy="0"/>
+          <a:chOff x="0" y="0"/>
+          <a:chExt cx="0" cy="0"/>
+        </a:xfrm>
+      </p:grpSpPr>
+      <p:sp>
+        <p:nvSpPr>
+          <p:cNvPr id="2" name="Title 1"/>
+          <p:cNvSpPr>
+            <a:spLocks noGrp="1"/>
+          </p:cNvSpPr>
+          <p:nvPr>
+            <p:ph type="title"/>
+          </p:nvPr>
+        </p:nvSpPr>
+        <p:spPr/>
+        <p:txBody>
+          <a:bodyPr/>
+          <a:lstStyle/>
+          <a:p>
+            <a:r>
+              <a:rPr lang="en-GB" dirty="0" smtClean="0"/>
+              <a:t>Difficulties</a:t>
+            </a:r>
+            <a:endParaRPr lang="en-GB" dirty="0"/>
+          </a:p>
+        </p:txBody>
+      </p:sp>
+      <p:sp>
+        <p:nvSpPr>
+          <p:cNvPr id="3" name="Content Placeholder 2"/>
+          <p:cNvSpPr>
+            <a:spLocks noGrp="1"/>
+          </p:cNvSpPr>
+          <p:nvPr>
+            <p:ph idx="1"/>
+          </p:nvPr>
+        </p:nvSpPr>
+        <p:spPr/>
+        <p:txBody>
+          <a:bodyPr/>
+          <a:lstStyle/>
+          <a:p>
+            <a:r>
+              <a:rPr lang="en-GB" sz="2800" dirty="0" smtClean="0"/>
+              <a:t>Deleting users with many teams</a:t>
+            </a:r>
+          </a:p>
+          <a:p>
+            <a:r>
+              <a:rPr lang="en-GB" sz="2800" dirty="0" smtClean="0"/>
+              <a:t>Dropdown menu</a:t>
+            </a:r>
+          </a:p>
+          <a:p>
+            <a:r>
+              <a:rPr lang="en-GB" sz="2800" dirty="0" smtClean="0"/>
+              <a:t>Querying database in forms</a:t>
+            </a:r>
+          </a:p>
+          <a:p>
+            <a:endParaRPr lang="en-GB" dirty="0"/>
+          </a:p>
+        </p:txBody>
+      </p:sp>
+    </p:spTree>
+    <p:extLst>
+      <p:ext uri="{BB962C8B-B14F-4D97-AF65-F5344CB8AC3E}">
+        <p14:creationId xmlns:p14="http://schemas.microsoft.com/office/powerpoint/2010/main" val="1201950113"/>
+      </p:ext>
+    </p:extLst>
+  </p:cSld>
+  <p:clrMapOvr>
+    <a:masterClrMapping/>
+  </p:clrMapOvr>
+  <p:timing>
+    <p:tnLst>
+      <p:par>
+        <p:cTn id="1" dur="indefinite" restart="never" nodeType="tmRoot"/>
+      </p:par>
+    </p:tnLst>
+  </p:timing>
+</p:sld>
+</file>
+
 <file path=ppt/slides/slide15.xml><?xml version="1.0" encoding="utf-8"?>
 <p:sld xmlns:a="http://schemas.openxmlformats.org/drawingml/2006/main" xmlns:r="http://schemas.openxmlformats.org/officeDocument/2006/relationships" xmlns:p="http://schemas.openxmlformats.org/presentationml/2006/main">
   <p:cSld>
@@ -14431,210 +14359,6 @@
           <a:p>
             <a:r>
               <a:rPr lang="en-GB" dirty="0" smtClean="0"/>
-              <a:t>Future Plans</a:t>
-            </a:r>
-            <a:endParaRPr lang="en-GB" dirty="0"/>
-          </a:p>
-        </p:txBody>
-      </p:sp>
-      <p:sp>
-        <p:nvSpPr>
-          <p:cNvPr id="3" name="Content Placeholder 2"/>
-          <p:cNvSpPr>
-            <a:spLocks noGrp="1"/>
-          </p:cNvSpPr>
-          <p:nvPr>
-            <p:ph idx="1"/>
-          </p:nvPr>
-        </p:nvSpPr>
-        <p:spPr/>
-        <p:txBody>
-          <a:bodyPr/>
-          <a:lstStyle/>
-          <a:p>
-            <a:r>
-              <a:rPr lang="en-GB" sz="2800" dirty="0" smtClean="0"/>
-              <a:t>Allow 11 players in team</a:t>
-            </a:r>
-          </a:p>
-          <a:p>
-            <a:r>
-              <a:rPr lang="en-GB" sz="2800" dirty="0" smtClean="0"/>
-              <a:t>Transfer page to change team</a:t>
-            </a:r>
-          </a:p>
-          <a:p>
-            <a:r>
-              <a:rPr lang="en-GB" sz="2800" dirty="0" smtClean="0"/>
-              <a:t>Allow user to change formation</a:t>
-            </a:r>
-          </a:p>
-          <a:p>
-            <a:r>
-              <a:rPr lang="en-GB" sz="2800" dirty="0" smtClean="0"/>
-              <a:t>SSH into another server for deployment</a:t>
-            </a:r>
-          </a:p>
-          <a:p>
-            <a:r>
-              <a:rPr lang="en-GB" sz="2800" dirty="0" smtClean="0"/>
-              <a:t>Integration testing</a:t>
-            </a:r>
-            <a:endParaRPr lang="en-GB" dirty="0"/>
-          </a:p>
-        </p:txBody>
-      </p:sp>
-    </p:spTree>
-    <p:extLst>
-      <p:ext uri="{BB962C8B-B14F-4D97-AF65-F5344CB8AC3E}">
-        <p14:creationId xmlns:p14="http://schemas.microsoft.com/office/powerpoint/2010/main" val="2113550350"/>
-      </p:ext>
-    </p:extLst>
-  </p:cSld>
-  <p:clrMapOvr>
-    <a:masterClrMapping/>
-  </p:clrMapOvr>
-  <p:timing>
-    <p:tnLst>
-      <p:par>
-        <p:cTn id="1" dur="indefinite" restart="never" nodeType="tmRoot"/>
-      </p:par>
-    </p:tnLst>
-  </p:timing>
-</p:sld>
-</file>
-
-<file path=ppt/slides/slide16.xml><?xml version="1.0" encoding="utf-8"?>
-<p:sld xmlns:a="http://schemas.openxmlformats.org/drawingml/2006/main" xmlns:r="http://schemas.openxmlformats.org/officeDocument/2006/relationships" xmlns:p="http://schemas.openxmlformats.org/presentationml/2006/main">
-  <p:cSld>
-    <p:spTree>
-      <p:nvGrpSpPr>
-        <p:cNvPr id="1" name=""/>
-        <p:cNvGrpSpPr/>
-        <p:nvPr/>
-      </p:nvGrpSpPr>
-      <p:grpSpPr>
-        <a:xfrm>
-          <a:off x="0" y="0"/>
-          <a:ext cx="0" cy="0"/>
-          <a:chOff x="0" y="0"/>
-          <a:chExt cx="0" cy="0"/>
-        </a:xfrm>
-      </p:grpSpPr>
-      <p:sp>
-        <p:nvSpPr>
-          <p:cNvPr id="2" name="Title 1"/>
-          <p:cNvSpPr>
-            <a:spLocks noGrp="1"/>
-          </p:cNvSpPr>
-          <p:nvPr>
-            <p:ph type="title"/>
-          </p:nvPr>
-        </p:nvSpPr>
-        <p:spPr/>
-        <p:txBody>
-          <a:bodyPr/>
-          <a:lstStyle/>
-          <a:p>
-            <a:r>
-              <a:rPr lang="en-GB" dirty="0" smtClean="0"/>
-              <a:t>Difficulties</a:t>
-            </a:r>
-            <a:endParaRPr lang="en-GB" dirty="0"/>
-          </a:p>
-        </p:txBody>
-      </p:sp>
-      <p:sp>
-        <p:nvSpPr>
-          <p:cNvPr id="3" name="Content Placeholder 2"/>
-          <p:cNvSpPr>
-            <a:spLocks noGrp="1"/>
-          </p:cNvSpPr>
-          <p:nvPr>
-            <p:ph idx="1"/>
-          </p:nvPr>
-        </p:nvSpPr>
-        <p:spPr/>
-        <p:txBody>
-          <a:bodyPr/>
-          <a:lstStyle/>
-          <a:p>
-            <a:r>
-              <a:rPr lang="en-GB" sz="2800" dirty="0" smtClean="0"/>
-              <a:t>Deleting users with many teams</a:t>
-            </a:r>
-          </a:p>
-          <a:p>
-            <a:r>
-              <a:rPr lang="en-GB" sz="2800" dirty="0" smtClean="0"/>
-              <a:t>Dropdown menu</a:t>
-            </a:r>
-          </a:p>
-          <a:p>
-            <a:r>
-              <a:rPr lang="en-GB" sz="2800" dirty="0" smtClean="0"/>
-              <a:t>Querying database in forms</a:t>
-            </a:r>
-          </a:p>
-          <a:p>
-            <a:endParaRPr lang="en-GB" dirty="0"/>
-          </a:p>
-        </p:txBody>
-      </p:sp>
-    </p:spTree>
-    <p:extLst>
-      <p:ext uri="{BB962C8B-B14F-4D97-AF65-F5344CB8AC3E}">
-        <p14:creationId xmlns:p14="http://schemas.microsoft.com/office/powerpoint/2010/main" val="1201950113"/>
-      </p:ext>
-    </p:extLst>
-  </p:cSld>
-  <p:clrMapOvr>
-    <a:masterClrMapping/>
-  </p:clrMapOvr>
-  <p:timing>
-    <p:tnLst>
-      <p:par>
-        <p:cTn id="1" dur="indefinite" restart="never" nodeType="tmRoot"/>
-      </p:par>
-    </p:tnLst>
-  </p:timing>
-</p:sld>
-</file>
-
-<file path=ppt/slides/slide17.xml><?xml version="1.0" encoding="utf-8"?>
-<p:sld xmlns:a="http://schemas.openxmlformats.org/drawingml/2006/main" xmlns:r="http://schemas.openxmlformats.org/officeDocument/2006/relationships" xmlns:p="http://schemas.openxmlformats.org/presentationml/2006/main">
-  <p:cSld>
-    <p:spTree>
-      <p:nvGrpSpPr>
-        <p:cNvPr id="1" name=""/>
-        <p:cNvGrpSpPr/>
-        <p:nvPr/>
-      </p:nvGrpSpPr>
-      <p:grpSpPr>
-        <a:xfrm>
-          <a:off x="0" y="0"/>
-          <a:ext cx="0" cy="0"/>
-          <a:chOff x="0" y="0"/>
-          <a:chExt cx="0" cy="0"/>
-        </a:xfrm>
-      </p:grpSpPr>
-      <p:sp>
-        <p:nvSpPr>
-          <p:cNvPr id="2" name="Title 1"/>
-          <p:cNvSpPr>
-            <a:spLocks noGrp="1"/>
-          </p:cNvSpPr>
-          <p:nvPr>
-            <p:ph type="title"/>
-          </p:nvPr>
-        </p:nvSpPr>
-        <p:spPr/>
-        <p:txBody>
-          <a:bodyPr/>
-          <a:lstStyle/>
-          <a:p>
-            <a:r>
-              <a:rPr lang="en-GB" dirty="0" smtClean="0"/>
               <a:t>Successes</a:t>
             </a:r>
             <a:endParaRPr lang="en-GB" dirty="0"/>
@@ -14698,7 +14422,7 @@
 </p:sld>
 </file>
 
-<file path=ppt/slides/slide18.xml><?xml version="1.0" encoding="utf-8"?>
+<file path=ppt/slides/slide16.xml><?xml version="1.0" encoding="utf-8"?>
 <p:sld xmlns:a="http://schemas.openxmlformats.org/drawingml/2006/main" xmlns:r="http://schemas.openxmlformats.org/officeDocument/2006/relationships" xmlns:p="http://schemas.openxmlformats.org/presentationml/2006/main">
   <p:cSld>
     <p:spTree>
@@ -14860,8 +14584,13 @@
             <a:pPr lvl="1"/>
             <a:r>
               <a:rPr lang="en-GB" sz="2000" dirty="0" smtClean="0"/>
-              <a:t>Trello – user stories, Entity Relationship Diagram</a:t>
-            </a:r>
+              <a:t>Trello </a:t>
+            </a:r>
+            <a:r>
+              <a:rPr lang="en-GB" sz="2000" dirty="0" smtClean="0"/>
+              <a:t>board</a:t>
+            </a:r>
+            <a:endParaRPr lang="en-GB" sz="2000" dirty="0" smtClean="0"/>
           </a:p>
           <a:p>
             <a:r>
@@ -15152,39 +14881,39 @@
           <a:p>
             <a:r>
               <a:rPr lang="en-GB" dirty="0" smtClean="0"/>
-              <a:t>Design of Database </a:t>
+              <a:t>Risk Assessment</a:t>
             </a:r>
             <a:endParaRPr lang="en-GB" dirty="0"/>
           </a:p>
         </p:txBody>
       </p:sp>
-      <p:pic>
-        <p:nvPicPr>
-          <p:cNvPr id="5" name="Picture 4"/>
-          <p:cNvPicPr>
-            <a:picLocks noChangeAspect="1"/>
-          </p:cNvPicPr>
-          <p:nvPr/>
-        </p:nvPicPr>
-        <p:blipFill rotWithShape="1">
-          <a:blip r:embed="rId2"/>
-          <a:srcRect l="3680" t="24025" r="4835" b="30566"/>
-          <a:stretch/>
-        </p:blipFill>
-        <p:spPr>
-          <a:xfrm>
-            <a:off x="508959" y="2676943"/>
-            <a:ext cx="11153954" cy="3114137"/>
-          </a:xfrm>
-          <a:prstGeom prst="rect">
-            <a:avLst/>
-          </a:prstGeom>
-        </p:spPr>
-      </p:pic>
+      <p:sp>
+        <p:nvSpPr>
+          <p:cNvPr id="3" name="Text Placeholder 2"/>
+          <p:cNvSpPr>
+            <a:spLocks noGrp="1"/>
+          </p:cNvSpPr>
+          <p:nvPr>
+            <p:ph type="body" idx="1"/>
+          </p:nvPr>
+        </p:nvSpPr>
+        <p:spPr/>
+        <p:txBody>
+          <a:bodyPr/>
+          <a:lstStyle/>
+          <a:p>
+            <a:r>
+              <a:rPr lang="en-GB" dirty="0" smtClean="0"/>
+              <a:t>Risks involved in creation, deployment and maintenance of application</a:t>
+            </a:r>
+            <a:endParaRPr lang="en-GB" dirty="0"/>
+          </a:p>
+        </p:txBody>
+      </p:sp>
     </p:spTree>
     <p:extLst>
       <p:ext uri="{BB962C8B-B14F-4D97-AF65-F5344CB8AC3E}">
-        <p14:creationId xmlns:p14="http://schemas.microsoft.com/office/powerpoint/2010/main" val="4195205486"/>
+        <p14:creationId xmlns:p14="http://schemas.microsoft.com/office/powerpoint/2010/main" val="1047717230"/>
       </p:ext>
     </p:extLst>
   </p:cSld>
@@ -15235,7 +14964,7 @@
           <a:p>
             <a:r>
               <a:rPr lang="en-GB" dirty="0" smtClean="0"/>
-              <a:t>Risk Assessment</a:t>
+              <a:t>Losing Code</a:t>
             </a:r>
             <a:endParaRPr lang="en-GB" dirty="0"/>
           </a:p>
@@ -15243,31 +14972,79 @@
       </p:sp>
       <p:sp>
         <p:nvSpPr>
-          <p:cNvPr id="3" name="Text Placeholder 2"/>
+          <p:cNvPr id="3" name="Content Placeholder 2"/>
           <p:cNvSpPr>
             <a:spLocks noGrp="1"/>
           </p:cNvSpPr>
           <p:nvPr>
-            <p:ph type="body" idx="1"/>
+            <p:ph idx="1"/>
           </p:nvPr>
         </p:nvSpPr>
         <p:spPr/>
         <p:txBody>
-          <a:bodyPr/>
+          <a:bodyPr>
+            <a:normAutofit/>
+          </a:bodyPr>
           <a:lstStyle/>
           <a:p>
-            <a:r>
-              <a:rPr lang="en-GB" dirty="0" smtClean="0"/>
-              <a:t>Risks involved in creation, deployment and maintenance of application</a:t>
-            </a:r>
-            <a:endParaRPr lang="en-GB" dirty="0"/>
+            <a:pPr>
+              <a:lnSpc>
+                <a:spcPct val="150000"/>
+              </a:lnSpc>
+            </a:pPr>
+            <a:r>
+              <a:rPr lang="en-GB" sz="2800" dirty="0" smtClean="0"/>
+              <a:t>Impact</a:t>
+            </a:r>
+            <a:r>
+              <a:rPr lang="en-GB" sz="2800" dirty="0"/>
+              <a:t> </a:t>
+            </a:r>
+            <a:r>
+              <a:rPr lang="en-GB" sz="2800" dirty="0" smtClean="0"/>
+              <a:t>– medium</a:t>
+            </a:r>
+          </a:p>
+          <a:p>
+            <a:pPr>
+              <a:lnSpc>
+                <a:spcPct val="150000"/>
+              </a:lnSpc>
+            </a:pPr>
+            <a:r>
+              <a:rPr lang="en-GB" sz="2800" dirty="0" smtClean="0"/>
+              <a:t>Likelihood – medium</a:t>
+            </a:r>
+          </a:p>
+          <a:p>
+            <a:pPr>
+              <a:lnSpc>
+                <a:spcPct val="150000"/>
+              </a:lnSpc>
+            </a:pPr>
+            <a:r>
+              <a:rPr lang="en-GB" sz="2800" dirty="0" smtClean="0"/>
+              <a:t>Mitigation measure</a:t>
+            </a:r>
+          </a:p>
+          <a:p>
+            <a:pPr lvl="1">
+              <a:lnSpc>
+                <a:spcPct val="150000"/>
+              </a:lnSpc>
+            </a:pPr>
+            <a:r>
+              <a:rPr lang="en-GB" sz="2400" dirty="0" smtClean="0"/>
+              <a:t>Regular uploads to GitHub</a:t>
+            </a:r>
+            <a:endParaRPr lang="en-GB" sz="2400" dirty="0"/>
           </a:p>
         </p:txBody>
       </p:sp>
     </p:spTree>
     <p:extLst>
       <p:ext uri="{BB962C8B-B14F-4D97-AF65-F5344CB8AC3E}">
-        <p14:creationId xmlns:p14="http://schemas.microsoft.com/office/powerpoint/2010/main" val="1047717230"/>
+        <p14:creationId xmlns:p14="http://schemas.microsoft.com/office/powerpoint/2010/main" val="3181692201"/>
       </p:ext>
     </p:extLst>
   </p:cSld>
@@ -15318,7 +15095,7 @@
           <a:p>
             <a:r>
               <a:rPr lang="en-GB" dirty="0" smtClean="0"/>
-              <a:t>Losing Code</a:t>
+              <a:t>Website Malfunctions From Bad Code</a:t>
             </a:r>
             <a:endParaRPr lang="en-GB" dirty="0"/>
           </a:p>
@@ -15367,7 +15144,7 @@
             </a:pPr>
             <a:r>
               <a:rPr lang="en-GB" sz="2800" dirty="0" smtClean="0"/>
-              <a:t>Likelihood – medium</a:t>
+              <a:t>Likelihood – high</a:t>
             </a:r>
           </a:p>
           <a:p>
@@ -15389,7 +15166,7 @@
             </a:pPr>
             <a:r>
               <a:rPr lang="en-GB" sz="2400" dirty="0" smtClean="0"/>
-              <a:t>Regular uploads to GitHub</a:t>
+              <a:t>Regular testing of code and website</a:t>
             </a:r>
             <a:endParaRPr lang="en-GB" sz="2400" dirty="0"/>
           </a:p>
@@ -15398,7 +15175,7 @@
     </p:spTree>
     <p:extLst>
       <p:ext uri="{BB962C8B-B14F-4D97-AF65-F5344CB8AC3E}">
-        <p14:creationId xmlns:p14="http://schemas.microsoft.com/office/powerpoint/2010/main" val="3181692201"/>
+        <p14:creationId xmlns:p14="http://schemas.microsoft.com/office/powerpoint/2010/main" val="2755672876"/>
       </p:ext>
     </p:extLst>
   </p:cSld>
@@ -15449,7 +15226,7 @@
           <a:p>
             <a:r>
               <a:rPr lang="en-GB" dirty="0" smtClean="0"/>
-              <a:t>Website Malfunctions From Bad Code</a:t>
+              <a:t>Database Hack</a:t>
             </a:r>
             <a:endParaRPr lang="en-GB" dirty="0"/>
           </a:p>
@@ -15468,7 +15245,7 @@
         <p:spPr/>
         <p:txBody>
           <a:bodyPr>
-            <a:normAutofit/>
+            <a:normAutofit lnSpcReduction="10000"/>
           </a:bodyPr>
           <a:lstStyle/>
           <a:p>
@@ -15487,7 +15264,7 @@
             </a:r>
             <a:r>
               <a:rPr lang="en-GB" sz="2800" dirty="0" smtClean="0"/>
-              <a:t>– medium</a:t>
+              <a:t>– high</a:t>
             </a:r>
           </a:p>
           <a:p>
@@ -15498,7 +15275,7 @@
             </a:pPr>
             <a:r>
               <a:rPr lang="en-GB" sz="2800" dirty="0" smtClean="0"/>
-              <a:t>Likelihood – high</a:t>
+              <a:t>Likelihood – medium</a:t>
             </a:r>
           </a:p>
           <a:p>
@@ -15520,7 +15297,18 @@
             </a:pPr>
             <a:r>
               <a:rPr lang="en-GB" sz="2400" dirty="0" smtClean="0"/>
-              <a:t>Regular testing of code and website</a:t>
+              <a:t>Use environmental variables</a:t>
+            </a:r>
+          </a:p>
+          <a:p>
+            <a:pPr lvl="1">
+              <a:lnSpc>
+                <a:spcPct val="150000"/>
+              </a:lnSpc>
+            </a:pPr>
+            <a:r>
+              <a:rPr lang="en-GB" sz="2400" dirty="0" smtClean="0"/>
+              <a:t>Store hashed passwords in database</a:t>
             </a:r>
             <a:endParaRPr lang="en-GB" sz="2400" dirty="0"/>
           </a:p>
@@ -15529,7 +15317,7 @@
     </p:spTree>
     <p:extLst>
       <p:ext uri="{BB962C8B-B14F-4D97-AF65-F5344CB8AC3E}">
-        <p14:creationId xmlns:p14="http://schemas.microsoft.com/office/powerpoint/2010/main" val="2755672876"/>
+        <p14:creationId xmlns:p14="http://schemas.microsoft.com/office/powerpoint/2010/main" val="403804597"/>
       </p:ext>
     </p:extLst>
   </p:cSld>
@@ -15580,7 +15368,7 @@
           <a:p>
             <a:r>
               <a:rPr lang="en-GB" dirty="0" smtClean="0"/>
-              <a:t>Database Hack</a:t>
+              <a:t>Technologies Used</a:t>
             </a:r>
             <a:endParaRPr lang="en-GB" dirty="0"/>
           </a:p>
@@ -15593,85 +15381,89 @@
             <a:spLocks noGrp="1"/>
           </p:cNvSpPr>
           <p:nvPr>
-            <p:ph idx="1"/>
+            <p:ph type="body" idx="1"/>
           </p:nvPr>
         </p:nvSpPr>
-        <p:spPr/>
+        <p:spPr>
+          <a:xfrm>
+            <a:off x="6895559" y="992038"/>
+            <a:ext cx="4267022" cy="5080958"/>
+          </a:xfrm>
+        </p:spPr>
         <p:txBody>
           <a:bodyPr>
-            <a:normAutofit lnSpcReduction="10000"/>
+            <a:noAutofit/>
           </a:bodyPr>
           <a:lstStyle/>
           <a:p>
-            <a:pPr>
-              <a:lnSpc>
-                <a:spcPct val="150000"/>
-              </a:lnSpc>
-            </a:pPr>
-            <a:r>
-              <a:rPr lang="en-GB" sz="2800" dirty="0" smtClean="0"/>
-              <a:t>Impact</a:t>
-            </a:r>
-            <a:r>
-              <a:rPr lang="en-GB" sz="2800" dirty="0"/>
-              <a:t> </a:t>
-            </a:r>
-            <a:r>
-              <a:rPr lang="en-GB" sz="2800" dirty="0" smtClean="0"/>
-              <a:t>– high</a:t>
-            </a:r>
-          </a:p>
-          <a:p>
-            <a:pPr>
-              <a:lnSpc>
-                <a:spcPct val="150000"/>
-              </a:lnSpc>
-            </a:pPr>
-            <a:r>
-              <a:rPr lang="en-GB" sz="2800" dirty="0" smtClean="0"/>
-              <a:t>Likelihood – medium</a:t>
-            </a:r>
-          </a:p>
-          <a:p>
-            <a:pPr>
-              <a:lnSpc>
-                <a:spcPct val="150000"/>
-              </a:lnSpc>
-            </a:pPr>
-            <a:r>
-              <a:rPr lang="en-GB" sz="2800" dirty="0" smtClean="0"/>
-              <a:t>Mitigation measure</a:t>
-            </a:r>
-          </a:p>
-          <a:p>
-            <a:pPr lvl="1">
-              <a:lnSpc>
-                <a:spcPct val="150000"/>
-              </a:lnSpc>
-            </a:pPr>
+            <a:r>
+              <a:rPr lang="en-GB" sz="2400" dirty="0"/>
+              <a:t>Google Cloud </a:t>
+            </a:r>
             <a:r>
               <a:rPr lang="en-GB" sz="2400" dirty="0" smtClean="0"/>
-              <a:t>Use environmental variables</a:t>
-            </a:r>
-          </a:p>
-          <a:p>
-            <a:pPr lvl="1">
-              <a:lnSpc>
-                <a:spcPct val="150000"/>
-              </a:lnSpc>
-            </a:pPr>
+              <a:t>Platform</a:t>
+            </a:r>
+          </a:p>
+          <a:p>
             <a:r>
               <a:rPr lang="en-GB" sz="2400" dirty="0" smtClean="0"/>
-              <a:t>Store hashed passwords in database</a:t>
-            </a:r>
-            <a:endParaRPr lang="en-GB" sz="2400" dirty="0"/>
+              <a:t>MySQL</a:t>
+            </a:r>
+          </a:p>
+          <a:p>
+            <a:r>
+              <a:rPr lang="en-GB" sz="2400" dirty="0" smtClean="0"/>
+              <a:t>Python </a:t>
+            </a:r>
+            <a:r>
+              <a:rPr lang="en-GB" sz="2400" dirty="0"/>
+              <a:t>– Flask, </a:t>
+            </a:r>
+            <a:r>
+              <a:rPr lang="en-GB" sz="2400" dirty="0" err="1"/>
+              <a:t>SQLAlchemy</a:t>
+            </a:r>
+            <a:r>
+              <a:rPr lang="en-GB" sz="2400" dirty="0"/>
+              <a:t>, </a:t>
+            </a:r>
+            <a:r>
+              <a:rPr lang="en-GB" sz="2400" dirty="0" smtClean="0"/>
+              <a:t>Jinja2</a:t>
+            </a:r>
+          </a:p>
+          <a:p>
+            <a:r>
+              <a:rPr lang="en-GB" sz="2400" dirty="0" smtClean="0"/>
+              <a:t>HTML</a:t>
+            </a:r>
+          </a:p>
+          <a:p>
+            <a:r>
+              <a:rPr lang="en-GB" sz="2400" dirty="0" smtClean="0"/>
+              <a:t>Git/GitHub</a:t>
+            </a:r>
+          </a:p>
+          <a:p>
+            <a:r>
+              <a:rPr lang="en-GB" sz="2400" dirty="0" smtClean="0"/>
+              <a:t>Jenkins</a:t>
+            </a:r>
+          </a:p>
+          <a:p>
+            <a:r>
+              <a:rPr lang="en-GB" sz="2400" dirty="0" err="1" smtClean="0"/>
+              <a:t>Gunicorn</a:t>
+            </a:r>
+            <a:endParaRPr lang="en-GB" sz="2400" dirty="0" smtClean="0"/>
           </a:p>
         </p:txBody>
       </p:sp>
     </p:spTree>
     <p:extLst>
       <p:ext uri="{BB962C8B-B14F-4D97-AF65-F5344CB8AC3E}">
-        <p14:creationId xmlns:p14="http://schemas.microsoft.com/office/powerpoint/2010/main" val="403804597"/>
+        <p14:creationId xmlns:p14="http://schemas.microsoft.com/office/powerpoint/2010/main" val="1983938051"/>
       </p:ext>
     </p:extLst>
   </p:cSld>
